--- a/presentation/Thesis Presentation.pptx
+++ b/presentation/Thesis Presentation.pptx
@@ -191,7 +191,17 @@
   <c:chart>
     <c:autoTitleDeleted val="1"/>
     <c:plotArea>
-      <c:layout/>
+      <c:layout>
+        <c:manualLayout>
+          <c:layoutTarget val="inner"/>
+          <c:xMode val="edge"/>
+          <c:yMode val="edge"/>
+          <c:x val="2.4407053285006041E-2"/>
+          <c:y val="2.5616797900262469E-2"/>
+          <c:w val="0.95442892555097281"/>
+          <c:h val="0.78661732283464569"/>
+        </c:manualLayout>
+      </c:layout>
       <c:barChart>
         <c:barDir val="col"/>
         <c:grouping val="clustered"/>
@@ -4259,7 +4269,7 @@
           <a:p>
             <a:fld id="{59041DB8-B66F-4DC8-A96E-33677E0F90FF}" type="datetimeFigureOut">
               <a:rPr lang="en-US" smtClean="0"/>
-              <a:t>1/11/2018</a:t>
+              <a:t>1/15/2018</a:t>
             </a:fld>
             <a:endParaRPr lang="en-US"/>
           </a:p>
@@ -4424,7 +4434,7 @@
           <a:p>
             <a:fld id="{DEB49C4A-65AC-492D-9701-81B46C3AD0E4}" type="datetimeFigureOut">
               <a:rPr lang="en-US" smtClean="0"/>
-              <a:t>1/11/2018</a:t>
+              <a:t>1/15/2018</a:t>
             </a:fld>
             <a:endParaRPr lang="en-US"/>
           </a:p>
@@ -6916,7 +6926,7 @@
           <a:p>
             <a:fld id="{384A29A4-78C8-47AB-BA06-22CB45938951}" type="datetime1">
               <a:rPr lang="en-US" smtClean="0"/>
-              <a:t>1/11/2018</a:t>
+              <a:t>1/15/2018</a:t>
             </a:fld>
             <a:endParaRPr lang="en-US"/>
           </a:p>
@@ -7111,7 +7121,7 @@
           <a:p>
             <a:fld id="{E1ED4ACF-2D82-46F2-A8E9-23963AA34E86}" type="datetime1">
               <a:rPr lang="en-US" smtClean="0"/>
-              <a:t>1/11/2018</a:t>
+              <a:t>1/15/2018</a:t>
             </a:fld>
             <a:endParaRPr lang="en-US"/>
           </a:p>
@@ -7295,7 +7305,7 @@
           <a:p>
             <a:fld id="{AE374B5B-21A0-4192-BF4C-38187F1A68D8}" type="datetime1">
               <a:rPr lang="en-US" smtClean="0"/>
-              <a:t>1/11/2018</a:t>
+              <a:t>1/15/2018</a:t>
             </a:fld>
             <a:endParaRPr lang="en-US"/>
           </a:p>
@@ -9636,7 +9646,7 @@
           <a:p>
             <a:fld id="{33B5CF7C-B333-48E1-A4A6-83A3C8B73AC0}" type="datetime1">
               <a:rPr lang="en-US" smtClean="0"/>
-              <a:t>1/11/2018</a:t>
+              <a:t>1/15/2018</a:t>
             </a:fld>
             <a:endParaRPr lang="en-US"/>
           </a:p>
@@ -10089,7 +10099,7 @@
           <a:p>
             <a:fld id="{AE320762-5CBF-4210-AB54-376B091119F8}" type="datetime1">
               <a:rPr lang="en-US" smtClean="0"/>
-              <a:t>1/11/2018</a:t>
+              <a:t>1/15/2018</a:t>
             </a:fld>
             <a:endParaRPr lang="en-US"/>
           </a:p>
@@ -10221,7 +10231,7 @@
           <a:p>
             <a:fld id="{7F0DB371-BF5F-4058-A212-1A908E4D2674}" type="datetime1">
               <a:rPr lang="en-US" smtClean="0"/>
-              <a:t>1/11/2018</a:t>
+              <a:t>1/15/2018</a:t>
             </a:fld>
             <a:endParaRPr lang="en-US"/>
           </a:p>
@@ -12154,7 +12164,7 @@
           <a:p>
             <a:fld id="{60A4083B-90AA-48CF-BAD5-00AA24D7F288}" type="datetime1">
               <a:rPr lang="en-US" smtClean="0"/>
-              <a:t>1/11/2018</a:t>
+              <a:t>1/15/2018</a:t>
             </a:fld>
             <a:endParaRPr lang="en-US"/>
           </a:p>
@@ -14413,7 +14423,7 @@
             <a:fld id="{F5BAF629-ECA2-4CF3-B790-9D9BDED98269}" type="datetime1">
               <a:rPr lang="en-US" smtClean="0"/>
               <a:pPr/>
-              <a:t>1/11/2018</a:t>
+              <a:t>1/15/2018</a:t>
             </a:fld>
             <a:endParaRPr lang="en-US"/>
           </a:p>
@@ -18708,7 +18718,7 @@
             <a:fld id="{B51B2453-8663-4C69-AF73-9FD7B1DEC5D0}" type="datetime1">
               <a:rPr lang="en-US" smtClean="0"/>
               <a:pPr/>
-              <a:t>1/11/2018</a:t>
+              <a:t>1/15/2018</a:t>
             </a:fld>
             <a:endParaRPr lang="en-US" dirty="0"/>
           </a:p>
@@ -19289,25 +19299,252 @@
       </p:sp>
       <p:sp>
         <p:nvSpPr>
-          <p:cNvPr id="3" name="Content Placeholder 2"/>
-          <p:cNvSpPr>
-            <a:spLocks noGrp="1"/>
+          <p:cNvPr id="6" name="Content Placeholder 2">
+            <a:extLst>
+              <a:ext uri="{FF2B5EF4-FFF2-40B4-BE49-F238E27FC236}">
+                <a16:creationId xmlns:a16="http://schemas.microsoft.com/office/drawing/2014/main" id="{FD1798C2-F328-4712-B7C4-5CBCA0FDD700}"/>
+              </a:ext>
+            </a:extLst>
+          </p:cNvPr>
+          <p:cNvSpPr txBox="1">
+            <a:spLocks/>
           </p:cNvSpPr>
-          <p:nvPr>
-            <p:ph idx="1"/>
-          </p:nvPr>
+          <p:nvPr/>
         </p:nvSpPr>
         <p:spPr>
           <a:xfrm>
-            <a:off x="1295400" y="1981201"/>
+            <a:off x="6442553" y="1981200"/>
             <a:ext cx="4454047" cy="3809999"/>
           </a:xfrm>
+          <a:prstGeom prst="rect">
+            <a:avLst/>
+          </a:prstGeom>
         </p:spPr>
         <p:txBody>
-          <a:bodyPr/>
-          <a:lstStyle/>
+          <a:bodyPr vert="horz" lIns="91440" tIns="45720" rIns="91440" bIns="45720" rtlCol="0">
+            <a:normAutofit/>
+          </a:bodyPr>
+          <a:lstStyle>
+            <a:lvl1pPr marL="228600" indent="-228600" algn="l" defTabSz="914400" rtl="0" eaLnBrk="1" latinLnBrk="0" hangingPunct="1">
+              <a:lnSpc>
+                <a:spcPct val="90000"/>
+              </a:lnSpc>
+              <a:spcBef>
+                <a:spcPts val="1800"/>
+              </a:spcBef>
+              <a:buClr>
+                <a:schemeClr val="accent1">
+                  <a:lumMod val="75000"/>
+                </a:schemeClr>
+              </a:buClr>
+              <a:buSzPct val="100000"/>
+              <a:buFont typeface="Arial" pitchFamily="34" charset="0"/>
+              <a:buChar char="▪"/>
+              <a:defRPr sz="2000" kern="1200">
+                <a:solidFill>
+                  <a:schemeClr val="tx1"/>
+                </a:solidFill>
+                <a:latin typeface="+mn-lt"/>
+                <a:ea typeface="+mn-ea"/>
+                <a:cs typeface="+mn-cs"/>
+              </a:defRPr>
+            </a:lvl1pPr>
+            <a:lvl2pPr marL="457200" indent="-182880" algn="l" defTabSz="914400" rtl="0" eaLnBrk="1" latinLnBrk="0" hangingPunct="1">
+              <a:lnSpc>
+                <a:spcPct val="90000"/>
+              </a:lnSpc>
+              <a:spcBef>
+                <a:spcPts val="1200"/>
+              </a:spcBef>
+              <a:buClr>
+                <a:schemeClr val="accent1">
+                  <a:lumMod val="75000"/>
+                </a:schemeClr>
+              </a:buClr>
+              <a:buSzPct val="100000"/>
+              <a:buFont typeface="Arial" pitchFamily="34" charset="0"/>
+              <a:buChar char="▪"/>
+              <a:defRPr sz="1800" kern="1200">
+                <a:solidFill>
+                  <a:schemeClr val="tx1"/>
+                </a:solidFill>
+                <a:latin typeface="+mn-lt"/>
+                <a:ea typeface="+mn-ea"/>
+                <a:cs typeface="+mn-cs"/>
+              </a:defRPr>
+            </a:lvl2pPr>
+            <a:lvl3pPr marL="685800" indent="-179388" algn="l" defTabSz="914400" rtl="0" eaLnBrk="1" latinLnBrk="0" hangingPunct="1">
+              <a:lnSpc>
+                <a:spcPct val="90000"/>
+              </a:lnSpc>
+              <a:spcBef>
+                <a:spcPts val="800"/>
+              </a:spcBef>
+              <a:buClr>
+                <a:schemeClr val="accent1">
+                  <a:lumMod val="75000"/>
+                </a:schemeClr>
+              </a:buClr>
+              <a:buSzPct val="100000"/>
+              <a:buFont typeface="Arial" pitchFamily="34" charset="0"/>
+              <a:buChar char="▪"/>
+              <a:defRPr sz="1600" kern="1200">
+                <a:solidFill>
+                  <a:schemeClr val="tx1"/>
+                </a:solidFill>
+                <a:latin typeface="+mn-lt"/>
+                <a:ea typeface="+mn-ea"/>
+                <a:cs typeface="+mn-cs"/>
+              </a:defRPr>
+            </a:lvl3pPr>
+            <a:lvl4pPr marL="914400" indent="-182880" algn="l" defTabSz="914400" rtl="0" eaLnBrk="1" latinLnBrk="0" hangingPunct="1">
+              <a:lnSpc>
+                <a:spcPct val="90000"/>
+              </a:lnSpc>
+              <a:spcBef>
+                <a:spcPts val="800"/>
+              </a:spcBef>
+              <a:buClr>
+                <a:schemeClr val="accent1">
+                  <a:lumMod val="75000"/>
+                </a:schemeClr>
+              </a:buClr>
+              <a:buSzPct val="100000"/>
+              <a:buFont typeface="Arial" pitchFamily="34" charset="0"/>
+              <a:buChar char="▪"/>
+              <a:defRPr sz="1400" kern="1200">
+                <a:solidFill>
+                  <a:schemeClr val="tx1"/>
+                </a:solidFill>
+                <a:latin typeface="+mn-lt"/>
+                <a:ea typeface="+mn-ea"/>
+                <a:cs typeface="+mn-cs"/>
+              </a:defRPr>
+            </a:lvl4pPr>
+            <a:lvl5pPr marL="1143000" indent="-179388" algn="l" defTabSz="914400" rtl="0" eaLnBrk="1" latinLnBrk="0" hangingPunct="1">
+              <a:lnSpc>
+                <a:spcPct val="90000"/>
+              </a:lnSpc>
+              <a:spcBef>
+                <a:spcPts val="600"/>
+              </a:spcBef>
+              <a:buClr>
+                <a:schemeClr val="accent1">
+                  <a:lumMod val="75000"/>
+                </a:schemeClr>
+              </a:buClr>
+              <a:buSzPct val="100000"/>
+              <a:buFont typeface="Arial" pitchFamily="34" charset="0"/>
+              <a:buChar char="▪"/>
+              <a:defRPr sz="1400" kern="1200">
+                <a:solidFill>
+                  <a:schemeClr val="tx1"/>
+                </a:solidFill>
+                <a:latin typeface="+mn-lt"/>
+                <a:ea typeface="+mn-ea"/>
+                <a:cs typeface="+mn-cs"/>
+              </a:defRPr>
+            </a:lvl5pPr>
+            <a:lvl6pPr marL="1371600" indent="-182880" algn="l" defTabSz="914400" rtl="0" eaLnBrk="1" latinLnBrk="0" hangingPunct="1">
+              <a:lnSpc>
+                <a:spcPct val="90000"/>
+              </a:lnSpc>
+              <a:spcBef>
+                <a:spcPts val="600"/>
+              </a:spcBef>
+              <a:buClr>
+                <a:schemeClr val="accent1">
+                  <a:lumMod val="75000"/>
+                </a:schemeClr>
+              </a:buClr>
+              <a:buSzPct val="100000"/>
+              <a:buFont typeface="Arial" pitchFamily="34" charset="0"/>
+              <a:buChar char="▪"/>
+              <a:defRPr sz="1400" kern="1200">
+                <a:solidFill>
+                  <a:schemeClr val="tx1"/>
+                </a:solidFill>
+                <a:latin typeface="+mn-lt"/>
+                <a:ea typeface="+mn-ea"/>
+                <a:cs typeface="+mn-cs"/>
+              </a:defRPr>
+            </a:lvl6pPr>
+            <a:lvl7pPr marL="1600200" indent="-179388" algn="l" defTabSz="914400" rtl="0" eaLnBrk="1" latinLnBrk="0" hangingPunct="1">
+              <a:lnSpc>
+                <a:spcPct val="90000"/>
+              </a:lnSpc>
+              <a:spcBef>
+                <a:spcPts val="600"/>
+              </a:spcBef>
+              <a:buClr>
+                <a:schemeClr val="accent1">
+                  <a:lumMod val="75000"/>
+                </a:schemeClr>
+              </a:buClr>
+              <a:buSzPct val="100000"/>
+              <a:buFont typeface="Arial" pitchFamily="34" charset="0"/>
+              <a:buChar char="▪"/>
+              <a:defRPr sz="1400" kern="1200">
+                <a:solidFill>
+                  <a:schemeClr val="tx1"/>
+                </a:solidFill>
+                <a:latin typeface="+mn-lt"/>
+                <a:ea typeface="+mn-ea"/>
+                <a:cs typeface="+mn-cs"/>
+              </a:defRPr>
+            </a:lvl7pPr>
+            <a:lvl8pPr marL="1828800" indent="-182880" algn="l" defTabSz="914400" rtl="0" eaLnBrk="1" latinLnBrk="0" hangingPunct="1">
+              <a:lnSpc>
+                <a:spcPct val="90000"/>
+              </a:lnSpc>
+              <a:spcBef>
+                <a:spcPts val="600"/>
+              </a:spcBef>
+              <a:buClr>
+                <a:schemeClr val="accent1">
+                  <a:lumMod val="75000"/>
+                </a:schemeClr>
+              </a:buClr>
+              <a:buSzPct val="100000"/>
+              <a:buFont typeface="Arial" pitchFamily="34" charset="0"/>
+              <a:buChar char="▪"/>
+              <a:defRPr sz="1400" kern="1200">
+                <a:solidFill>
+                  <a:schemeClr val="tx1"/>
+                </a:solidFill>
+                <a:latin typeface="+mn-lt"/>
+                <a:ea typeface="+mn-ea"/>
+                <a:cs typeface="+mn-cs"/>
+              </a:defRPr>
+            </a:lvl8pPr>
+            <a:lvl9pPr marL="1878012" indent="0" algn="l" defTabSz="914400" rtl="0" eaLnBrk="1" latinLnBrk="0" hangingPunct="1">
+              <a:lnSpc>
+                <a:spcPct val="90000"/>
+              </a:lnSpc>
+              <a:spcBef>
+                <a:spcPts val="600"/>
+              </a:spcBef>
+              <a:buClr>
+                <a:schemeClr val="accent1">
+                  <a:lumMod val="75000"/>
+                </a:schemeClr>
+              </a:buClr>
+              <a:buSzPct val="100000"/>
+              <a:buFont typeface="Arial" pitchFamily="34" charset="0"/>
+              <a:buNone/>
+              <a:defRPr sz="1400" kern="1200">
+                <a:solidFill>
+                  <a:schemeClr val="tx1"/>
+                </a:solidFill>
+                <a:latin typeface="+mn-lt"/>
+                <a:ea typeface="+mn-ea"/>
+                <a:cs typeface="+mn-cs"/>
+              </a:defRPr>
+            </a:lvl9pPr>
+          </a:lstStyle>
           <a:p>
             <a:pPr marL="0" indent="0" algn="ctr">
+              <a:buFont typeface="Arial" pitchFamily="34" charset="0"/>
               <a:buNone/>
             </a:pPr>
             <a:r>
@@ -19324,19 +19561,19 @@
           <a:p>
             <a:r>
               <a:rPr lang="en-US" dirty="0"/>
-              <a:t>Add your first bullet point here</a:t>
+              <a:t>Identify patterns related to standard algorithms.</a:t>
             </a:r>
           </a:p>
           <a:p>
             <a:r>
               <a:rPr lang="en-US" dirty="0"/>
-              <a:t>Add your second bullet point here</a:t>
+              <a:t>Apply these patterns to interview questions.</a:t>
             </a:r>
           </a:p>
           <a:p>
             <a:r>
               <a:rPr lang="en-US" dirty="0"/>
-              <a:t>Add your third bullet point here</a:t>
+              <a:t>Provide a guidance for programmers to better their abilities.</a:t>
             </a:r>
           </a:p>
           <a:p>
@@ -19346,10 +19583,10 @@
       </p:sp>
       <p:sp>
         <p:nvSpPr>
-          <p:cNvPr id="4" name="Content Placeholder 2">
+          <p:cNvPr id="10" name="Content Placeholder 2">
             <a:extLst>
               <a:ext uri="{FF2B5EF4-FFF2-40B4-BE49-F238E27FC236}">
-                <a16:creationId xmlns:a16="http://schemas.microsoft.com/office/drawing/2014/main" id="{D6FCD9E3-7503-4EB5-B5BC-CB98A41EBE33}"/>
+                <a16:creationId xmlns:a16="http://schemas.microsoft.com/office/drawing/2014/main" id="{64C8AB5C-0031-40ED-B8B5-C849AA9FCF35}"/>
               </a:ext>
             </a:extLst>
           </p:cNvPr>
@@ -19360,7 +19597,7 @@
         </p:nvSpPr>
         <p:spPr>
           <a:xfrm>
-            <a:off x="5749447" y="1981200"/>
+            <a:off x="1295401" y="1981199"/>
             <a:ext cx="4454047" cy="3809999"/>
           </a:xfrm>
           <a:prstGeom prst="rect">
@@ -19608,20 +19845,17 @@
           <a:p>
             <a:r>
               <a:rPr lang="en-US" dirty="0"/>
-              <a:t>Add your first bullet point here</a:t>
+              <a:t>Interviews are becoming more technical. </a:t>
             </a:r>
           </a:p>
           <a:p>
             <a:r>
               <a:rPr lang="en-US" dirty="0"/>
-              <a:t>Add your second bullet point here</a:t>
+              <a:t>Discover a relationship between algorithms and questions.</a:t>
             </a:r>
           </a:p>
           <a:p>
-            <a:r>
-              <a:rPr lang="en-US" dirty="0"/>
-              <a:t>Add your third bullet point here</a:t>
-            </a:r>
+            <a:endParaRPr lang="en-US" dirty="0"/>
           </a:p>
           <a:p>
             <a:endParaRPr lang="en-US" dirty="0"/>
@@ -19702,7 +19936,7 @@
             <p:ph idx="1"/>
             <p:extLst>
               <p:ext uri="{D42A27DB-BD31-4B8C-83A1-F6EECF244321}">
-                <p14:modId xmlns:p14="http://schemas.microsoft.com/office/powerpoint/2010/main" val="39797981"/>
+                <p14:modId xmlns:p14="http://schemas.microsoft.com/office/powerpoint/2010/main" val="122213963"/>
               </p:ext>
             </p:extLst>
           </p:nvPr>

--- a/presentation/Thesis Presentation.pptx
+++ b/presentation/Thesis Presentation.pptx
@@ -5,10 +5,10 @@
     <p:sldMasterId id="2147483648" r:id="rId1"/>
   </p:sldMasterIdLst>
   <p:notesMasterIdLst>
-    <p:notesMasterId r:id="rId8"/>
+    <p:notesMasterId r:id="rId9"/>
   </p:notesMasterIdLst>
   <p:handoutMasterIdLst>
-    <p:handoutMasterId r:id="rId9"/>
+    <p:handoutMasterId r:id="rId10"/>
   </p:handoutMasterIdLst>
   <p:sldIdLst>
     <p:sldId id="261" r:id="rId2"/>
@@ -17,6 +17,7 @@
     <p:sldId id="263" r:id="rId5"/>
     <p:sldId id="264" r:id="rId6"/>
     <p:sldId id="266" r:id="rId7"/>
+    <p:sldId id="267" r:id="rId8"/>
   </p:sldIdLst>
   <p:sldSz cx="12192000" cy="6858000"/>
   <p:notesSz cx="6858000" cy="9144000"/>
@@ -146,6 +147,7 @@
         <p14:section name="Evaluation &amp; Conclusion" id="{C4A4795D-FAFF-45B8-8410-35E20B0AC6DB}">
           <p14:sldIdLst>
             <p14:sldId id="266"/>
+            <p14:sldId id="267"/>
           </p14:sldIdLst>
         </p14:section>
       </p14:sectionLst>
@@ -299,7 +301,7 @@
           </c:val>
           <c:extLst>
             <c:ext xmlns:c16="http://schemas.microsoft.com/office/drawing/2014/chart" uri="{C3380CC4-5D6E-409C-BE32-E72D297353CC}">
-              <c16:uniqueId val="{00000000-B15F-4CC6-AB46-0F5752DC9A2C}"/>
+              <c16:uniqueId val="{00000000-6049-4559-9A96-ED726C11A861}"/>
             </c:ext>
           </c:extLst>
         </c:ser>
@@ -393,7 +395,7 @@
           </c:val>
           <c:extLst>
             <c:ext xmlns:c16="http://schemas.microsoft.com/office/drawing/2014/chart" uri="{C3380CC4-5D6E-409C-BE32-E72D297353CC}">
-              <c16:uniqueId val="{00000001-B15F-4CC6-AB46-0F5752DC9A2C}"/>
+              <c16:uniqueId val="{00000001-6049-4559-9A96-ED726C11A861}"/>
             </c:ext>
           </c:extLst>
         </c:ser>
@@ -490,7 +492,7 @@
           </c:val>
           <c:extLst>
             <c:ext xmlns:c16="http://schemas.microsoft.com/office/drawing/2014/chart" uri="{C3380CC4-5D6E-409C-BE32-E72D297353CC}">
-              <c16:uniqueId val="{00000002-B15F-4CC6-AB46-0F5752DC9A2C}"/>
+              <c16:uniqueId val="{00000002-6049-4559-9A96-ED726C11A861}"/>
             </c:ext>
           </c:extLst>
         </c:ser>
@@ -19926,31 +19928,416 @@
           </a:p>
         </p:txBody>
       </p:sp>
-      <p:graphicFrame>
-        <p:nvGraphicFramePr>
-          <p:cNvPr id="6" name="Content Placeholder 5" descr="Clustered column chart showing the values of 3 series for 4 categories"/>
-          <p:cNvGraphicFramePr>
-            <a:graphicFrameLocks noGrp="1"/>
-          </p:cNvGraphicFramePr>
+      <p:pic>
+        <p:nvPicPr>
+          <p:cNvPr id="10" name="Content Placeholder 9">
+            <a:extLst>
+              <a:ext uri="{FF2B5EF4-FFF2-40B4-BE49-F238E27FC236}">
+                <a16:creationId xmlns:a16="http://schemas.microsoft.com/office/drawing/2014/main" id="{41F78B65-E919-43C6-A14C-F001390E43D8}"/>
+              </a:ext>
+            </a:extLst>
+          </p:cNvPr>
+          <p:cNvPicPr>
+            <a:picLocks noGrp="1" noChangeAspect="1"/>
+          </p:cNvPicPr>
           <p:nvPr>
             <p:ph idx="1"/>
-            <p:extLst>
-              <p:ext uri="{D42A27DB-BD31-4B8C-83A1-F6EECF244321}">
-                <p14:modId xmlns:p14="http://schemas.microsoft.com/office/powerpoint/2010/main" val="122213963"/>
-              </p:ext>
-            </p:extLst>
           </p:nvPr>
-        </p:nvGraphicFramePr>
-        <p:xfrm>
-          <a:off x="1295400" y="1981200"/>
-          <a:ext cx="9601200" cy="3810000"/>
-        </p:xfrm>
-        <a:graphic>
-          <a:graphicData uri="http://schemas.openxmlformats.org/drawingml/2006/chart">
-            <c:chart xmlns:c="http://schemas.openxmlformats.org/drawingml/2006/chart" xmlns:r="http://schemas.openxmlformats.org/officeDocument/2006/relationships" r:id="rId2"/>
-          </a:graphicData>
-        </a:graphic>
-      </p:graphicFrame>
+        </p:nvPicPr>
+        <p:blipFill>
+          <a:blip r:embed="rId2"/>
+          <a:stretch>
+            <a:fillRect/>
+          </a:stretch>
+        </p:blipFill>
+        <p:spPr>
+          <a:xfrm>
+            <a:off x="7410450" y="1323974"/>
+            <a:ext cx="3486150" cy="1314450"/>
+          </a:xfrm>
+        </p:spPr>
+      </p:pic>
+      <p:sp>
+        <p:nvSpPr>
+          <p:cNvPr id="13" name="Content Placeholder 2">
+            <a:extLst>
+              <a:ext uri="{FF2B5EF4-FFF2-40B4-BE49-F238E27FC236}">
+                <a16:creationId xmlns:a16="http://schemas.microsoft.com/office/drawing/2014/main" id="{69645729-BA62-4BC1-BFC1-7F7FB6EAA536}"/>
+              </a:ext>
+            </a:extLst>
+          </p:cNvPr>
+          <p:cNvSpPr txBox="1">
+            <a:spLocks/>
+          </p:cNvSpPr>
+          <p:nvPr/>
+        </p:nvSpPr>
+        <p:spPr>
+          <a:xfrm>
+            <a:off x="1295400" y="1981199"/>
+            <a:ext cx="4572000" cy="3810001"/>
+          </a:xfrm>
+          <a:prstGeom prst="rect">
+            <a:avLst/>
+          </a:prstGeom>
+        </p:spPr>
+        <p:txBody>
+          <a:bodyPr vert="horz" lIns="91440" tIns="45720" rIns="91440" bIns="45720" rtlCol="0">
+            <a:normAutofit/>
+          </a:bodyPr>
+          <a:lstStyle>
+            <a:lvl1pPr marL="228600" indent="-228600" algn="l" defTabSz="914400" rtl="0" eaLnBrk="1" latinLnBrk="0" hangingPunct="1">
+              <a:lnSpc>
+                <a:spcPct val="90000"/>
+              </a:lnSpc>
+              <a:spcBef>
+                <a:spcPts val="1800"/>
+              </a:spcBef>
+              <a:buClr>
+                <a:schemeClr val="accent1">
+                  <a:lumMod val="75000"/>
+                </a:schemeClr>
+              </a:buClr>
+              <a:buSzPct val="100000"/>
+              <a:buFont typeface="Arial" pitchFamily="34" charset="0"/>
+              <a:buChar char="▪"/>
+              <a:defRPr sz="2000" kern="1200">
+                <a:solidFill>
+                  <a:schemeClr val="tx1"/>
+                </a:solidFill>
+                <a:latin typeface="+mn-lt"/>
+                <a:ea typeface="+mn-ea"/>
+                <a:cs typeface="+mn-cs"/>
+              </a:defRPr>
+            </a:lvl1pPr>
+            <a:lvl2pPr marL="457200" indent="-182880" algn="l" defTabSz="914400" rtl="0" eaLnBrk="1" latinLnBrk="0" hangingPunct="1">
+              <a:lnSpc>
+                <a:spcPct val="90000"/>
+              </a:lnSpc>
+              <a:spcBef>
+                <a:spcPts val="1200"/>
+              </a:spcBef>
+              <a:buClr>
+                <a:schemeClr val="accent1">
+                  <a:lumMod val="75000"/>
+                </a:schemeClr>
+              </a:buClr>
+              <a:buSzPct val="100000"/>
+              <a:buFont typeface="Arial" pitchFamily="34" charset="0"/>
+              <a:buChar char="▪"/>
+              <a:defRPr sz="1800" kern="1200">
+                <a:solidFill>
+                  <a:schemeClr val="tx1"/>
+                </a:solidFill>
+                <a:latin typeface="+mn-lt"/>
+                <a:ea typeface="+mn-ea"/>
+                <a:cs typeface="+mn-cs"/>
+              </a:defRPr>
+            </a:lvl2pPr>
+            <a:lvl3pPr marL="685800" indent="-179388" algn="l" defTabSz="914400" rtl="0" eaLnBrk="1" latinLnBrk="0" hangingPunct="1">
+              <a:lnSpc>
+                <a:spcPct val="90000"/>
+              </a:lnSpc>
+              <a:spcBef>
+                <a:spcPts val="800"/>
+              </a:spcBef>
+              <a:buClr>
+                <a:schemeClr val="accent1">
+                  <a:lumMod val="75000"/>
+                </a:schemeClr>
+              </a:buClr>
+              <a:buSzPct val="100000"/>
+              <a:buFont typeface="Arial" pitchFamily="34" charset="0"/>
+              <a:buChar char="▪"/>
+              <a:defRPr sz="1600" kern="1200">
+                <a:solidFill>
+                  <a:schemeClr val="tx1"/>
+                </a:solidFill>
+                <a:latin typeface="+mn-lt"/>
+                <a:ea typeface="+mn-ea"/>
+                <a:cs typeface="+mn-cs"/>
+              </a:defRPr>
+            </a:lvl3pPr>
+            <a:lvl4pPr marL="914400" indent="-182880" algn="l" defTabSz="914400" rtl="0" eaLnBrk="1" latinLnBrk="0" hangingPunct="1">
+              <a:lnSpc>
+                <a:spcPct val="90000"/>
+              </a:lnSpc>
+              <a:spcBef>
+                <a:spcPts val="800"/>
+              </a:spcBef>
+              <a:buClr>
+                <a:schemeClr val="accent1">
+                  <a:lumMod val="75000"/>
+                </a:schemeClr>
+              </a:buClr>
+              <a:buSzPct val="100000"/>
+              <a:buFont typeface="Arial" pitchFamily="34" charset="0"/>
+              <a:buChar char="▪"/>
+              <a:defRPr sz="1400" kern="1200">
+                <a:solidFill>
+                  <a:schemeClr val="tx1"/>
+                </a:solidFill>
+                <a:latin typeface="+mn-lt"/>
+                <a:ea typeface="+mn-ea"/>
+                <a:cs typeface="+mn-cs"/>
+              </a:defRPr>
+            </a:lvl4pPr>
+            <a:lvl5pPr marL="1143000" indent="-179388" algn="l" defTabSz="914400" rtl="0" eaLnBrk="1" latinLnBrk="0" hangingPunct="1">
+              <a:lnSpc>
+                <a:spcPct val="90000"/>
+              </a:lnSpc>
+              <a:spcBef>
+                <a:spcPts val="600"/>
+              </a:spcBef>
+              <a:buClr>
+                <a:schemeClr val="accent1">
+                  <a:lumMod val="75000"/>
+                </a:schemeClr>
+              </a:buClr>
+              <a:buSzPct val="100000"/>
+              <a:buFont typeface="Arial" pitchFamily="34" charset="0"/>
+              <a:buChar char="▪"/>
+              <a:defRPr sz="1400" kern="1200">
+                <a:solidFill>
+                  <a:schemeClr val="tx1"/>
+                </a:solidFill>
+                <a:latin typeface="+mn-lt"/>
+                <a:ea typeface="+mn-ea"/>
+                <a:cs typeface="+mn-cs"/>
+              </a:defRPr>
+            </a:lvl5pPr>
+            <a:lvl6pPr marL="1371600" indent="-182880" algn="l" defTabSz="914400" rtl="0" eaLnBrk="1" latinLnBrk="0" hangingPunct="1">
+              <a:lnSpc>
+                <a:spcPct val="90000"/>
+              </a:lnSpc>
+              <a:spcBef>
+                <a:spcPts val="600"/>
+              </a:spcBef>
+              <a:buClr>
+                <a:schemeClr val="accent1">
+                  <a:lumMod val="75000"/>
+                </a:schemeClr>
+              </a:buClr>
+              <a:buSzPct val="100000"/>
+              <a:buFont typeface="Arial" pitchFamily="34" charset="0"/>
+              <a:buChar char="▪"/>
+              <a:defRPr sz="1400" kern="1200">
+                <a:solidFill>
+                  <a:schemeClr val="tx1"/>
+                </a:solidFill>
+                <a:latin typeface="+mn-lt"/>
+                <a:ea typeface="+mn-ea"/>
+                <a:cs typeface="+mn-cs"/>
+              </a:defRPr>
+            </a:lvl6pPr>
+            <a:lvl7pPr marL="1600200" indent="-179388" algn="l" defTabSz="914400" rtl="0" eaLnBrk="1" latinLnBrk="0" hangingPunct="1">
+              <a:lnSpc>
+                <a:spcPct val="90000"/>
+              </a:lnSpc>
+              <a:spcBef>
+                <a:spcPts val="600"/>
+              </a:spcBef>
+              <a:buClr>
+                <a:schemeClr val="accent1">
+                  <a:lumMod val="75000"/>
+                </a:schemeClr>
+              </a:buClr>
+              <a:buSzPct val="100000"/>
+              <a:buFont typeface="Arial" pitchFamily="34" charset="0"/>
+              <a:buChar char="▪"/>
+              <a:defRPr sz="1400" kern="1200">
+                <a:solidFill>
+                  <a:schemeClr val="tx1"/>
+                </a:solidFill>
+                <a:latin typeface="+mn-lt"/>
+                <a:ea typeface="+mn-ea"/>
+                <a:cs typeface="+mn-cs"/>
+              </a:defRPr>
+            </a:lvl7pPr>
+            <a:lvl8pPr marL="1828800" indent="-182880" algn="l" defTabSz="914400" rtl="0" eaLnBrk="1" latinLnBrk="0" hangingPunct="1">
+              <a:lnSpc>
+                <a:spcPct val="90000"/>
+              </a:lnSpc>
+              <a:spcBef>
+                <a:spcPts val="600"/>
+              </a:spcBef>
+              <a:buClr>
+                <a:schemeClr val="accent1">
+                  <a:lumMod val="75000"/>
+                </a:schemeClr>
+              </a:buClr>
+              <a:buSzPct val="100000"/>
+              <a:buFont typeface="Arial" pitchFamily="34" charset="0"/>
+              <a:buChar char="▪"/>
+              <a:defRPr sz="1400" kern="1200">
+                <a:solidFill>
+                  <a:schemeClr val="tx1"/>
+                </a:solidFill>
+                <a:latin typeface="+mn-lt"/>
+                <a:ea typeface="+mn-ea"/>
+                <a:cs typeface="+mn-cs"/>
+              </a:defRPr>
+            </a:lvl8pPr>
+            <a:lvl9pPr marL="1878012" indent="0" algn="l" defTabSz="914400" rtl="0" eaLnBrk="1" latinLnBrk="0" hangingPunct="1">
+              <a:lnSpc>
+                <a:spcPct val="90000"/>
+              </a:lnSpc>
+              <a:spcBef>
+                <a:spcPts val="600"/>
+              </a:spcBef>
+              <a:buClr>
+                <a:schemeClr val="accent1">
+                  <a:lumMod val="75000"/>
+                </a:schemeClr>
+              </a:buClr>
+              <a:buSzPct val="100000"/>
+              <a:buFont typeface="Arial" pitchFamily="34" charset="0"/>
+              <a:buNone/>
+              <a:defRPr sz="1400" kern="1200">
+                <a:solidFill>
+                  <a:schemeClr val="tx1"/>
+                </a:solidFill>
+                <a:latin typeface="+mn-lt"/>
+                <a:ea typeface="+mn-ea"/>
+                <a:cs typeface="+mn-cs"/>
+              </a:defRPr>
+            </a:lvl9pPr>
+          </a:lstStyle>
+          <a:p>
+            <a:r>
+              <a:rPr lang="en-US" dirty="0"/>
+              <a:t>Online repositories. </a:t>
+            </a:r>
+          </a:p>
+          <a:p>
+            <a:pPr lvl="1">
+              <a:buFont typeface="Wingdings" panose="05000000000000000000" pitchFamily="2" charset="2"/>
+              <a:buChar char="§"/>
+            </a:pPr>
+            <a:r>
+              <a:rPr lang="en-US" dirty="0"/>
+              <a:t>Active user base.</a:t>
+            </a:r>
+          </a:p>
+          <a:p>
+            <a:pPr lvl="1">
+              <a:buFont typeface="Wingdings" panose="05000000000000000000" pitchFamily="2" charset="2"/>
+              <a:buChar char="§"/>
+            </a:pPr>
+            <a:r>
+              <a:rPr lang="en-US" dirty="0"/>
+              <a:t>Online judge system.</a:t>
+            </a:r>
+          </a:p>
+          <a:p>
+            <a:r>
+              <a:rPr lang="en-US" dirty="0"/>
+              <a:t>Java.</a:t>
+            </a:r>
+          </a:p>
+          <a:p>
+            <a:r>
+              <a:rPr lang="en-US" dirty="0"/>
+              <a:t>Cracking the Coding Interview.</a:t>
+            </a:r>
+          </a:p>
+          <a:p>
+            <a:endParaRPr lang="en-US" dirty="0"/>
+          </a:p>
+          <a:p>
+            <a:endParaRPr lang="en-US" dirty="0"/>
+          </a:p>
+        </p:txBody>
+      </p:sp>
+      <p:pic>
+        <p:nvPicPr>
+          <p:cNvPr id="15" name="Picture 14">
+            <a:extLst>
+              <a:ext uri="{FF2B5EF4-FFF2-40B4-BE49-F238E27FC236}">
+                <a16:creationId xmlns:a16="http://schemas.microsoft.com/office/drawing/2014/main" id="{7BA1BE60-393F-49EB-A81D-9BEE6333D08A}"/>
+              </a:ext>
+            </a:extLst>
+          </p:cNvPr>
+          <p:cNvPicPr>
+            <a:picLocks noChangeAspect="1"/>
+          </p:cNvPicPr>
+          <p:nvPr/>
+        </p:nvPicPr>
+        <p:blipFill>
+          <a:blip r:embed="rId3"/>
+          <a:stretch>
+            <a:fillRect/>
+          </a:stretch>
+        </p:blipFill>
+        <p:spPr>
+          <a:xfrm>
+            <a:off x="6462517" y="2638424"/>
+            <a:ext cx="4552950" cy="1133475"/>
+          </a:xfrm>
+          <a:prstGeom prst="rect">
+            <a:avLst/>
+          </a:prstGeom>
+        </p:spPr>
+      </p:pic>
+      <p:pic>
+        <p:nvPicPr>
+          <p:cNvPr id="17" name="Picture 16">
+            <a:extLst>
+              <a:ext uri="{FF2B5EF4-FFF2-40B4-BE49-F238E27FC236}">
+                <a16:creationId xmlns:a16="http://schemas.microsoft.com/office/drawing/2014/main" id="{D23D7C74-436F-4975-BC32-09651CBA4F6D}"/>
+              </a:ext>
+            </a:extLst>
+          </p:cNvPr>
+          <p:cNvPicPr>
+            <a:picLocks noChangeAspect="1"/>
+          </p:cNvPicPr>
+          <p:nvPr/>
+        </p:nvPicPr>
+        <p:blipFill>
+          <a:blip r:embed="rId4"/>
+          <a:stretch>
+            <a:fillRect/>
+          </a:stretch>
+        </p:blipFill>
+        <p:spPr>
+          <a:xfrm>
+            <a:off x="7356171" y="3521072"/>
+            <a:ext cx="4495800" cy="2486025"/>
+          </a:xfrm>
+          <a:prstGeom prst="rect">
+            <a:avLst/>
+          </a:prstGeom>
+        </p:spPr>
+      </p:pic>
+      <p:pic>
+        <p:nvPicPr>
+          <p:cNvPr id="19" name="Picture 18">
+            <a:extLst>
+              <a:ext uri="{FF2B5EF4-FFF2-40B4-BE49-F238E27FC236}">
+                <a16:creationId xmlns:a16="http://schemas.microsoft.com/office/drawing/2014/main" id="{600AD877-430C-4A61-AD90-E614A81CB14B}"/>
+              </a:ext>
+            </a:extLst>
+          </p:cNvPr>
+          <p:cNvPicPr>
+            <a:picLocks noChangeAspect="1"/>
+          </p:cNvPicPr>
+          <p:nvPr/>
+        </p:nvPicPr>
+        <p:blipFill>
+          <a:blip r:embed="rId5"/>
+          <a:stretch>
+            <a:fillRect/>
+          </a:stretch>
+        </p:blipFill>
+        <p:spPr>
+          <a:xfrm>
+            <a:off x="5101943" y="3503122"/>
+            <a:ext cx="1850002" cy="2642859"/>
+          </a:xfrm>
+          <a:prstGeom prst="rect">
+            <a:avLst/>
+          </a:prstGeom>
+        </p:spPr>
+      </p:pic>
     </p:spTree>
     <p:extLst>
       <p:ext uri="{BB962C8B-B14F-4D97-AF65-F5344CB8AC3E}">
@@ -20606,6 +20993,103 @@
     <p:extLst>
       <p:ext uri="{BB962C8B-B14F-4D97-AF65-F5344CB8AC3E}">
         <p14:creationId xmlns:p14="http://schemas.microsoft.com/office/powerpoint/2010/main" val="1169449942"/>
+      </p:ext>
+    </p:extLst>
+  </p:cSld>
+  <p:clrMapOvr>
+    <a:masterClrMapping/>
+  </p:clrMapOvr>
+  <mc:AlternateContent xmlns:mc="http://schemas.openxmlformats.org/markup-compatibility/2006" xmlns:p14="http://schemas.microsoft.com/office/powerpoint/2010/main">
+    <mc:Choice Requires="p14">
+      <p:transition spd="med" p14:dur="700">
+        <p:fade/>
+      </p:transition>
+    </mc:Choice>
+    <mc:Fallback xmlns="">
+      <p:transition spd="med">
+        <p:fade/>
+      </p:transition>
+    </mc:Fallback>
+  </mc:AlternateContent>
+</p:sld>
+</file>
+
+<file path=ppt/slides/slide7.xml><?xml version="1.0" encoding="utf-8"?>
+<p:sld xmlns:a="http://schemas.openxmlformats.org/drawingml/2006/main" xmlns:r="http://schemas.openxmlformats.org/officeDocument/2006/relationships" xmlns:p="http://schemas.openxmlformats.org/presentationml/2006/main">
+  <p:cSld>
+    <p:spTree>
+      <p:nvGrpSpPr>
+        <p:cNvPr id="1" name=""/>
+        <p:cNvGrpSpPr/>
+        <p:nvPr/>
+      </p:nvGrpSpPr>
+      <p:grpSpPr>
+        <a:xfrm>
+          <a:off x="0" y="0"/>
+          <a:ext cx="0" cy="0"/>
+          <a:chOff x="0" y="0"/>
+          <a:chExt cx="0" cy="0"/>
+        </a:xfrm>
+      </p:grpSpPr>
+      <p:sp>
+        <p:nvSpPr>
+          <p:cNvPr id="2" name="Title 1">
+            <a:extLst>
+              <a:ext uri="{FF2B5EF4-FFF2-40B4-BE49-F238E27FC236}">
+                <a16:creationId xmlns:a16="http://schemas.microsoft.com/office/drawing/2014/main" id="{E9B5777A-6D15-4F73-AD02-C477714A1D1D}"/>
+              </a:ext>
+            </a:extLst>
+          </p:cNvPr>
+          <p:cNvSpPr>
+            <a:spLocks noGrp="1"/>
+          </p:cNvSpPr>
+          <p:nvPr>
+            <p:ph type="title"/>
+          </p:nvPr>
+        </p:nvSpPr>
+        <p:spPr/>
+        <p:txBody>
+          <a:bodyPr/>
+          <a:lstStyle/>
+          <a:p>
+            <a:endParaRPr lang="en-IE"/>
+          </a:p>
+        </p:txBody>
+      </p:sp>
+      <p:graphicFrame>
+        <p:nvGraphicFramePr>
+          <p:cNvPr id="3" name="Content Placeholder 5" descr="Clustered column chart showing the values of 3 series for 4 categories">
+            <a:extLst>
+              <a:ext uri="{FF2B5EF4-FFF2-40B4-BE49-F238E27FC236}">
+                <a16:creationId xmlns:a16="http://schemas.microsoft.com/office/drawing/2014/main" id="{953E53D0-D7B3-44A7-910A-D8BF2B3D928D}"/>
+              </a:ext>
+            </a:extLst>
+          </p:cNvPr>
+          <p:cNvGraphicFramePr>
+            <a:graphicFrameLocks/>
+          </p:cNvGraphicFramePr>
+          <p:nvPr>
+            <p:extLst>
+              <p:ext uri="{D42A27DB-BD31-4B8C-83A1-F6EECF244321}">
+                <p14:modId xmlns:p14="http://schemas.microsoft.com/office/powerpoint/2010/main" val="2773450075"/>
+              </p:ext>
+            </p:extLst>
+          </p:nvPr>
+        </p:nvGraphicFramePr>
+        <p:xfrm>
+          <a:off x="1295400" y="1981200"/>
+          <a:ext cx="9601200" cy="3810000"/>
+        </p:xfrm>
+        <a:graphic>
+          <a:graphicData uri="http://schemas.openxmlformats.org/drawingml/2006/chart">
+            <c:chart xmlns:c="http://schemas.openxmlformats.org/drawingml/2006/chart" xmlns:r="http://schemas.openxmlformats.org/officeDocument/2006/relationships" r:id="rId2"/>
+          </a:graphicData>
+        </a:graphic>
+      </p:graphicFrame>
+    </p:spTree>
+    <p:extLst>
+      <p:ext uri="{BB962C8B-B14F-4D97-AF65-F5344CB8AC3E}">
+        <p14:creationId xmlns:p14="http://schemas.microsoft.com/office/powerpoint/2010/main" val="478563834"/>
       </p:ext>
     </p:extLst>
   </p:cSld>
